--- a/Capstone Project PPT.pptx
+++ b/Capstone Project PPT.pptx
@@ -126,7 +126,7 @@
   </p:defaultTextStyle>
   <p:extLst>
     <p:ext uri="{EFAFB233-063F-42B5-8137-9DF3F51BA10A}">
-      <p15:sldGuideLst xmlns:p15="http://schemas.microsoft.com/office/powerpoint/2012/main" xmlns=""/>
+      <p15:sldGuideLst xmlns="" xmlns:p15="http://schemas.microsoft.com/office/powerpoint/2012/main"/>
     </p:ext>
   </p:extLst>
 </p:presentation>
@@ -384,7 +384,7 @@
     </p:spTree>
     <p:extLst>
       <p:ext uri="{BB962C8B-B14F-4D97-AF65-F5344CB8AC3E}">
-        <p14:creationId xmlns:p14="http://schemas.microsoft.com/office/powerpoint/2010/main" xmlns="" val="2607968769"/>
+        <p14:creationId xmlns="" xmlns:p14="http://schemas.microsoft.com/office/powerpoint/2010/main" val="2607968769"/>
       </p:ext>
     </p:extLst>
   </p:cSld>
@@ -559,7 +559,7 @@
     </p:spTree>
     <p:extLst>
       <p:ext uri="{BB962C8B-B14F-4D97-AF65-F5344CB8AC3E}">
-        <p14:creationId xmlns:p14="http://schemas.microsoft.com/office/powerpoint/2010/main" xmlns="" val="1318366149"/>
+        <p14:creationId xmlns="" xmlns:p14="http://schemas.microsoft.com/office/powerpoint/2010/main" val="1318366149"/>
       </p:ext>
     </p:extLst>
   </p:cSld>
@@ -644,7 +644,7 @@
     </p:spTree>
     <p:extLst>
       <p:ext uri="{BB962C8B-B14F-4D97-AF65-F5344CB8AC3E}">
-        <p14:creationId xmlns:p14="http://schemas.microsoft.com/office/powerpoint/2010/main" xmlns="" val="4001053997"/>
+        <p14:creationId xmlns="" xmlns:p14="http://schemas.microsoft.com/office/powerpoint/2010/main" val="4001053997"/>
       </p:ext>
     </p:extLst>
   </p:cSld>
@@ -729,7 +729,7 @@
     </p:spTree>
     <p:extLst>
       <p:ext uri="{BB962C8B-B14F-4D97-AF65-F5344CB8AC3E}">
-        <p14:creationId xmlns:p14="http://schemas.microsoft.com/office/powerpoint/2010/main" xmlns="" val="159021703"/>
+        <p14:creationId xmlns="" xmlns:p14="http://schemas.microsoft.com/office/powerpoint/2010/main" val="159021703"/>
       </p:ext>
     </p:extLst>
   </p:cSld>
@@ -814,7 +814,7 @@
     </p:spTree>
     <p:extLst>
       <p:ext uri="{BB962C8B-B14F-4D97-AF65-F5344CB8AC3E}">
-        <p14:creationId xmlns:p14="http://schemas.microsoft.com/office/powerpoint/2010/main" xmlns="" val="4168778326"/>
+        <p14:creationId xmlns="" xmlns:p14="http://schemas.microsoft.com/office/powerpoint/2010/main" val="4168778326"/>
       </p:ext>
     </p:extLst>
   </p:cSld>
@@ -899,7 +899,7 @@
     </p:spTree>
     <p:extLst>
       <p:ext uri="{BB962C8B-B14F-4D97-AF65-F5344CB8AC3E}">
-        <p14:creationId xmlns:p14="http://schemas.microsoft.com/office/powerpoint/2010/main" xmlns="" val="3154913241"/>
+        <p14:creationId xmlns="" xmlns:p14="http://schemas.microsoft.com/office/powerpoint/2010/main" val="3154913241"/>
       </p:ext>
     </p:extLst>
   </p:cSld>
@@ -984,7 +984,7 @@
     </p:spTree>
     <p:extLst>
       <p:ext uri="{BB962C8B-B14F-4D97-AF65-F5344CB8AC3E}">
-        <p14:creationId xmlns:p14="http://schemas.microsoft.com/office/powerpoint/2010/main" xmlns="" val="6427052"/>
+        <p14:creationId xmlns="" xmlns:p14="http://schemas.microsoft.com/office/powerpoint/2010/main" val="6427052"/>
       </p:ext>
     </p:extLst>
   </p:cSld>
@@ -7006,7 +7006,7 @@
     </p:spTree>
     <p:extLst>
       <p:ext uri="{BB962C8B-B14F-4D97-AF65-F5344CB8AC3E}">
-        <p14:creationId xmlns:p14="http://schemas.microsoft.com/office/powerpoint/2010/main" xmlns="" val="1387156113"/>
+        <p14:creationId xmlns="" xmlns:p14="http://schemas.microsoft.com/office/powerpoint/2010/main" val="1387156113"/>
       </p:ext>
     </p:extLst>
   </p:cSld>
@@ -7120,7 +7120,7 @@
     </p:spTree>
     <p:extLst>
       <p:ext uri="{BB962C8B-B14F-4D97-AF65-F5344CB8AC3E}">
-        <p14:creationId xmlns:p14="http://schemas.microsoft.com/office/powerpoint/2010/main" xmlns="" val="719125590"/>
+        <p14:creationId xmlns="" xmlns:p14="http://schemas.microsoft.com/office/powerpoint/2010/main" val="719125590"/>
       </p:ext>
     </p:extLst>
   </p:cSld>
@@ -7240,7 +7240,7 @@
     </p:spTree>
     <p:extLst>
       <p:ext uri="{BB962C8B-B14F-4D97-AF65-F5344CB8AC3E}">
-        <p14:creationId xmlns:p14="http://schemas.microsoft.com/office/powerpoint/2010/main" xmlns="" val="359117828"/>
+        <p14:creationId xmlns="" xmlns:p14="http://schemas.microsoft.com/office/powerpoint/2010/main" val="359117828"/>
       </p:ext>
     </p:extLst>
   </p:cSld>
@@ -7354,7 +7354,7 @@
     </p:spTree>
     <p:extLst>
       <p:ext uri="{BB962C8B-B14F-4D97-AF65-F5344CB8AC3E}">
-        <p14:creationId xmlns:p14="http://schemas.microsoft.com/office/powerpoint/2010/main" xmlns="" val="1095840185"/>
+        <p14:creationId xmlns="" xmlns:p14="http://schemas.microsoft.com/office/powerpoint/2010/main" val="1095840185"/>
       </p:ext>
     </p:extLst>
   </p:cSld>
@@ -7449,10 +7449,42 @@
           </a:p>
         </p:txBody>
       </p:sp>
+      <p:pic>
+        <p:nvPicPr>
+          <p:cNvPr id="1026" name="Picture 2"/>
+          <p:cNvPicPr>
+            <a:picLocks noChangeAspect="1" noChangeArrowheads="1"/>
+          </p:cNvPicPr>
+          <p:nvPr/>
+        </p:nvPicPr>
+        <p:blipFill>
+          <a:blip r:embed="rId2"/>
+          <a:srcRect/>
+          <a:stretch>
+            <a:fillRect/>
+          </a:stretch>
+        </p:blipFill>
+        <p:spPr bwMode="auto">
+          <a:xfrm>
+            <a:off x="931848" y="3429000"/>
+            <a:ext cx="9525000" cy="1504950"/>
+          </a:xfrm>
+          <a:prstGeom prst="rect">
+            <a:avLst/>
+          </a:prstGeom>
+          <a:noFill/>
+          <a:ln w="9525">
+            <a:noFill/>
+            <a:miter lim="800000"/>
+            <a:headEnd/>
+            <a:tailEnd/>
+          </a:ln>
+        </p:spPr>
+      </p:pic>
     </p:spTree>
     <p:extLst>
       <p:ext uri="{BB962C8B-B14F-4D97-AF65-F5344CB8AC3E}">
-        <p14:creationId xmlns:p14="http://schemas.microsoft.com/office/powerpoint/2010/main" xmlns="" val="1408505203"/>
+        <p14:creationId xmlns="" xmlns:p14="http://schemas.microsoft.com/office/powerpoint/2010/main" val="1408505203"/>
       </p:ext>
     </p:extLst>
   </p:cSld>
@@ -7572,7 +7604,7 @@
     </p:spTree>
     <p:extLst>
       <p:ext uri="{BB962C8B-B14F-4D97-AF65-F5344CB8AC3E}">
-        <p14:creationId xmlns:p14="http://schemas.microsoft.com/office/powerpoint/2010/main" xmlns="" val="892335526"/>
+        <p14:creationId xmlns="" xmlns:p14="http://schemas.microsoft.com/office/powerpoint/2010/main" val="892335526"/>
       </p:ext>
     </p:extLst>
   </p:cSld>
@@ -7647,7 +7679,7 @@
     </p:spTree>
     <p:extLst>
       <p:ext uri="{BB962C8B-B14F-4D97-AF65-F5344CB8AC3E}">
-        <p14:creationId xmlns:p14="http://schemas.microsoft.com/office/powerpoint/2010/main" xmlns="" val="2222043879"/>
+        <p14:creationId xmlns="" xmlns:p14="http://schemas.microsoft.com/office/powerpoint/2010/main" val="2222043879"/>
       </p:ext>
     </p:extLst>
   </p:cSld>
@@ -7854,7 +7886,7 @@
     </p:spTree>
     <p:extLst>
       <p:ext uri="{BB962C8B-B14F-4D97-AF65-F5344CB8AC3E}">
-        <p14:creationId xmlns:p14="http://schemas.microsoft.com/office/powerpoint/2010/main" xmlns="" val="3194670457"/>
+        <p14:creationId xmlns="" xmlns:p14="http://schemas.microsoft.com/office/powerpoint/2010/main" val="3194670457"/>
       </p:ext>
     </p:extLst>
   </p:cSld>
@@ -7988,7 +8020,7 @@
     </p:spTree>
     <p:extLst>
       <p:ext uri="{BB962C8B-B14F-4D97-AF65-F5344CB8AC3E}">
-        <p14:creationId xmlns:p14="http://schemas.microsoft.com/office/powerpoint/2010/main" xmlns="" val="2053290492"/>
+        <p14:creationId xmlns="" xmlns:p14="http://schemas.microsoft.com/office/powerpoint/2010/main" val="2053290492"/>
       </p:ext>
     </p:extLst>
   </p:cSld>
@@ -8075,7 +8107,7 @@
     </p:spTree>
     <p:extLst>
       <p:ext uri="{BB962C8B-B14F-4D97-AF65-F5344CB8AC3E}">
-        <p14:creationId xmlns:p14="http://schemas.microsoft.com/office/powerpoint/2010/main" xmlns="" val="47414423"/>
+        <p14:creationId xmlns="" xmlns:p14="http://schemas.microsoft.com/office/powerpoint/2010/main" val="47414423"/>
       </p:ext>
     </p:extLst>
   </p:cSld>
@@ -8177,7 +8209,7 @@
     </p:spTree>
     <p:extLst>
       <p:ext uri="{BB962C8B-B14F-4D97-AF65-F5344CB8AC3E}">
-        <p14:creationId xmlns:p14="http://schemas.microsoft.com/office/powerpoint/2010/main" xmlns="" val="1616942845"/>
+        <p14:creationId xmlns="" xmlns:p14="http://schemas.microsoft.com/office/powerpoint/2010/main" val="1616942845"/>
       </p:ext>
     </p:extLst>
   </p:cSld>
@@ -8269,7 +8301,7 @@
     </p:spTree>
     <p:extLst>
       <p:ext uri="{BB962C8B-B14F-4D97-AF65-F5344CB8AC3E}">
-        <p14:creationId xmlns:p14="http://schemas.microsoft.com/office/powerpoint/2010/main" xmlns="" val="3439502171"/>
+        <p14:creationId xmlns="" xmlns:p14="http://schemas.microsoft.com/office/powerpoint/2010/main" val="3439502171"/>
       </p:ext>
     </p:extLst>
   </p:cSld>
@@ -8443,7 +8475,7 @@
     </p:spTree>
     <p:extLst>
       <p:ext uri="{BB962C8B-B14F-4D97-AF65-F5344CB8AC3E}">
-        <p14:creationId xmlns:p14="http://schemas.microsoft.com/office/powerpoint/2010/main" xmlns="" val="87060103"/>
+        <p14:creationId xmlns="" xmlns:p14="http://schemas.microsoft.com/office/powerpoint/2010/main" val="87060103"/>
       </p:ext>
     </p:extLst>
   </p:cSld>
@@ -8589,7 +8621,7 @@
     </p:spTree>
     <p:extLst>
       <p:ext uri="{BB962C8B-B14F-4D97-AF65-F5344CB8AC3E}">
-        <p14:creationId xmlns:p14="http://schemas.microsoft.com/office/powerpoint/2010/main" xmlns="" val="998096152"/>
+        <p14:creationId xmlns="" xmlns:p14="http://schemas.microsoft.com/office/powerpoint/2010/main" val="998096152"/>
       </p:ext>
     </p:extLst>
   </p:cSld>
@@ -8732,7 +8764,7 @@
     </p:spTree>
     <p:extLst>
       <p:ext uri="{BB962C8B-B14F-4D97-AF65-F5344CB8AC3E}">
-        <p14:creationId xmlns:p14="http://schemas.microsoft.com/office/powerpoint/2010/main" xmlns="" val="2793746927"/>
+        <p14:creationId xmlns="" xmlns:p14="http://schemas.microsoft.com/office/powerpoint/2010/main" val="2793746927"/>
       </p:ext>
     </p:extLst>
   </p:cSld>
@@ -8838,7 +8870,7 @@
     </p:spTree>
     <p:extLst>
       <p:ext uri="{BB962C8B-B14F-4D97-AF65-F5344CB8AC3E}">
-        <p14:creationId xmlns:p14="http://schemas.microsoft.com/office/powerpoint/2010/main" xmlns="" val="620533013"/>
+        <p14:creationId xmlns="" xmlns:p14="http://schemas.microsoft.com/office/powerpoint/2010/main" val="620533013"/>
       </p:ext>
     </p:extLst>
   </p:cSld>
@@ -8965,7 +8997,7 @@
     </p:spTree>
     <p:extLst>
       <p:ext uri="{BB962C8B-B14F-4D97-AF65-F5344CB8AC3E}">
-        <p14:creationId xmlns:p14="http://schemas.microsoft.com/office/powerpoint/2010/main" xmlns="" val="567480566"/>
+        <p14:creationId xmlns="" xmlns:p14="http://schemas.microsoft.com/office/powerpoint/2010/main" val="567480566"/>
       </p:ext>
     </p:extLst>
   </p:cSld>
@@ -9089,7 +9121,7 @@
     </p:spTree>
     <p:extLst>
       <p:ext uri="{BB962C8B-B14F-4D97-AF65-F5344CB8AC3E}">
-        <p14:creationId xmlns:p14="http://schemas.microsoft.com/office/powerpoint/2010/main" xmlns="" val="4018913901"/>
+        <p14:creationId xmlns="" xmlns:p14="http://schemas.microsoft.com/office/powerpoint/2010/main" val="4018913901"/>
       </p:ext>
     </p:extLst>
   </p:cSld>
@@ -9601,7 +9633,7 @@
   <a:extraClrSchemeLst/>
   <a:extLst>
     <a:ext uri="{05A4C25C-085E-4340-85A3-A5531E510DB2}">
-      <thm15:themeFamily xmlns:thm15="http://schemas.microsoft.com/office/thememl/2012/main" xmlns="" name="Office Theme" id="{62F939B6-93AF-4DB8-9C6B-D6C7DFDC589F}" vid="{4A3C46E8-61CC-4603-A589-7422A47A8E4A}"/>
+      <thm15:themeFamily xmlns="" xmlns:thm15="http://schemas.microsoft.com/office/thememl/2012/main" name="Office Theme" id="{62F939B6-93AF-4DB8-9C6B-D6C7DFDC589F}" vid="{4A3C46E8-61CC-4603-A589-7422A47A8E4A}"/>
     </a:ext>
   </a:extLst>
 </a:theme>
